--- a/supports/12082021.pptx
+++ b/supports/12082021.pptx
@@ -5,13 +5,17 @@
     <p:sldMasterId id="2147483648" r:id="rId1"/>
   </p:sldMasterIdLst>
   <p:notesMasterIdLst>
-    <p:notesMasterId r:id="rId3"/>
+    <p:notesMasterId r:id="rId7"/>
   </p:notesMasterIdLst>
   <p:handoutMasterIdLst>
-    <p:handoutMasterId r:id="rId4"/>
+    <p:handoutMasterId r:id="rId8"/>
   </p:handoutMasterIdLst>
   <p:sldIdLst>
-    <p:sldId id="508" r:id="rId2"/>
+    <p:sldId id="509" r:id="rId2"/>
+    <p:sldId id="510" r:id="rId3"/>
+    <p:sldId id="511" r:id="rId4"/>
+    <p:sldId id="512" r:id="rId5"/>
+    <p:sldId id="508" r:id="rId6"/>
   </p:sldIdLst>
   <p:sldSz cx="12192000" cy="6858000"/>
   <p:notesSz cx="6858000" cy="9144000"/>
@@ -212,7 +216,7 @@
           <a:p>
             <a:fld id="{081908C2-F1FA-4AA1-810C-31F86594FA86}" type="datetimeFigureOut">
               <a:rPr lang="en-US" smtClean="0"/>
-              <a:t>12/8/2021</a:t>
+              <a:t>1/12/2022</a:t>
             </a:fld>
             <a:endParaRPr lang="en-US"/>
           </a:p>
@@ -377,7 +381,7 @@
           <a:p>
             <a:fld id="{56E8D31E-EEDD-42CA-A79A-B9539977145E}" type="datetimeFigureOut">
               <a:rPr lang="en-US" smtClean="0"/>
-              <a:t>12/8/2021</a:t>
+              <a:t>1/12/2022</a:t>
             </a:fld>
             <a:endParaRPr lang="en-US"/>
           </a:p>
@@ -734,6 +738,406 @@
     </p:spTree>
     <p:extLst>
       <p:ext uri="{BB962C8B-B14F-4D97-AF65-F5344CB8AC3E}">
+        <p14:creationId xmlns:p14="http://schemas.microsoft.com/office/powerpoint/2010/main" val="1304398337"/>
+      </p:ext>
+    </p:extLst>
+  </p:cSld>
+  <p:clrMapOvr>
+    <a:masterClrMapping/>
+  </p:clrMapOvr>
+</p:notes>
+</file>
+
+<file path=ppt/notesSlides/notesSlide2.xml><?xml version="1.0" encoding="utf-8"?>
+<p:notes xmlns:a="http://schemas.openxmlformats.org/drawingml/2006/main" xmlns:r="http://schemas.openxmlformats.org/officeDocument/2006/relationships" xmlns:p="http://schemas.openxmlformats.org/presentationml/2006/main">
+  <p:cSld>
+    <p:spTree>
+      <p:nvGrpSpPr>
+        <p:cNvPr id="1" name=""/>
+        <p:cNvGrpSpPr/>
+        <p:nvPr/>
+      </p:nvGrpSpPr>
+      <p:grpSpPr>
+        <a:xfrm>
+          <a:off x="0" y="0"/>
+          <a:ext cx="0" cy="0"/>
+          <a:chOff x="0" y="0"/>
+          <a:chExt cx="0" cy="0"/>
+        </a:xfrm>
+      </p:grpSpPr>
+      <p:sp>
+        <p:nvSpPr>
+          <p:cNvPr id="2" name="Espace réservé de l'image des diapositives 1"/>
+          <p:cNvSpPr>
+            <a:spLocks noGrp="1" noRot="1" noChangeAspect="1"/>
+          </p:cNvSpPr>
+          <p:nvPr>
+            <p:ph type="sldImg"/>
+          </p:nvPr>
+        </p:nvSpPr>
+        <p:spPr/>
+      </p:sp>
+      <p:sp>
+        <p:nvSpPr>
+          <p:cNvPr id="3" name="Espace réservé des notes 2"/>
+          <p:cNvSpPr>
+            <a:spLocks noGrp="1"/>
+          </p:cNvSpPr>
+          <p:nvPr>
+            <p:ph type="body" idx="1"/>
+          </p:nvPr>
+        </p:nvSpPr>
+        <p:spPr/>
+        <p:txBody>
+          <a:bodyPr/>
+          <a:lstStyle/>
+          <a:p>
+            <a:pPr marL="228600" indent="-228600">
+              <a:buAutoNum type="arabicPeriod"/>
+            </a:pPr>
+            <a:endParaRPr lang="fr-FR" sz="1200" dirty="0">
+              <a:ln>
+                <a:solidFill>
+                  <a:schemeClr val="tx1"/>
+                </a:solidFill>
+              </a:ln>
+              <a:latin typeface="Google Sans"/>
+            </a:endParaRPr>
+          </a:p>
+          <a:p>
+            <a:pPr marL="228600" indent="-228600">
+              <a:buAutoNum type="arabicPeriod"/>
+            </a:pPr>
+            <a:endParaRPr lang="fr-FR" dirty="0"/>
+          </a:p>
+        </p:txBody>
+      </p:sp>
+      <p:sp>
+        <p:nvSpPr>
+          <p:cNvPr id="4" name="Espace réservé du numéro de diapositive 3"/>
+          <p:cNvSpPr>
+            <a:spLocks noGrp="1"/>
+          </p:cNvSpPr>
+          <p:nvPr>
+            <p:ph type="sldNum" sz="quarter" idx="5"/>
+          </p:nvPr>
+        </p:nvSpPr>
+        <p:spPr/>
+        <p:txBody>
+          <a:bodyPr/>
+          <a:lstStyle/>
+          <a:p>
+            <a:fld id="{B2BE2823-3393-479C-B299-87C7B63AEB2B}" type="slidenum">
+              <a:rPr lang="en-US" smtClean="0"/>
+              <a:t>2</a:t>
+            </a:fld>
+            <a:endParaRPr lang="en-US"/>
+          </a:p>
+        </p:txBody>
+      </p:sp>
+    </p:spTree>
+    <p:extLst>
+      <p:ext uri="{BB962C8B-B14F-4D97-AF65-F5344CB8AC3E}">
+        <p14:creationId xmlns:p14="http://schemas.microsoft.com/office/powerpoint/2010/main" val="2330992359"/>
+      </p:ext>
+    </p:extLst>
+  </p:cSld>
+  <p:clrMapOvr>
+    <a:masterClrMapping/>
+  </p:clrMapOvr>
+</p:notes>
+</file>
+
+<file path=ppt/notesSlides/notesSlide3.xml><?xml version="1.0" encoding="utf-8"?>
+<p:notes xmlns:a="http://schemas.openxmlformats.org/drawingml/2006/main" xmlns:r="http://schemas.openxmlformats.org/officeDocument/2006/relationships" xmlns:p="http://schemas.openxmlformats.org/presentationml/2006/main">
+  <p:cSld>
+    <p:spTree>
+      <p:nvGrpSpPr>
+        <p:cNvPr id="1" name=""/>
+        <p:cNvGrpSpPr/>
+        <p:nvPr/>
+      </p:nvGrpSpPr>
+      <p:grpSpPr>
+        <a:xfrm>
+          <a:off x="0" y="0"/>
+          <a:ext cx="0" cy="0"/>
+          <a:chOff x="0" y="0"/>
+          <a:chExt cx="0" cy="0"/>
+        </a:xfrm>
+      </p:grpSpPr>
+      <p:sp>
+        <p:nvSpPr>
+          <p:cNvPr id="2" name="Espace réservé de l'image des diapositives 1"/>
+          <p:cNvSpPr>
+            <a:spLocks noGrp="1" noRot="1" noChangeAspect="1"/>
+          </p:cNvSpPr>
+          <p:nvPr>
+            <p:ph type="sldImg"/>
+          </p:nvPr>
+        </p:nvSpPr>
+        <p:spPr/>
+      </p:sp>
+      <p:sp>
+        <p:nvSpPr>
+          <p:cNvPr id="3" name="Espace réservé des notes 2"/>
+          <p:cNvSpPr>
+            <a:spLocks noGrp="1"/>
+          </p:cNvSpPr>
+          <p:nvPr>
+            <p:ph type="body" idx="1"/>
+          </p:nvPr>
+        </p:nvSpPr>
+        <p:spPr/>
+        <p:txBody>
+          <a:bodyPr/>
+          <a:lstStyle/>
+          <a:p>
+            <a:pPr marL="228600" indent="-228600">
+              <a:buAutoNum type="arabicPeriod"/>
+            </a:pPr>
+            <a:endParaRPr lang="fr-FR" sz="1200" dirty="0">
+              <a:ln>
+                <a:solidFill>
+                  <a:schemeClr val="tx1"/>
+                </a:solidFill>
+              </a:ln>
+              <a:latin typeface="Google Sans"/>
+            </a:endParaRPr>
+          </a:p>
+          <a:p>
+            <a:pPr marL="228600" indent="-228600">
+              <a:buAutoNum type="arabicPeriod"/>
+            </a:pPr>
+            <a:endParaRPr lang="fr-FR" dirty="0"/>
+          </a:p>
+        </p:txBody>
+      </p:sp>
+      <p:sp>
+        <p:nvSpPr>
+          <p:cNvPr id="4" name="Espace réservé du numéro de diapositive 3"/>
+          <p:cNvSpPr>
+            <a:spLocks noGrp="1"/>
+          </p:cNvSpPr>
+          <p:nvPr>
+            <p:ph type="sldNum" sz="quarter" idx="5"/>
+          </p:nvPr>
+        </p:nvSpPr>
+        <p:spPr/>
+        <p:txBody>
+          <a:bodyPr/>
+          <a:lstStyle/>
+          <a:p>
+            <a:fld id="{B2BE2823-3393-479C-B299-87C7B63AEB2B}" type="slidenum">
+              <a:rPr lang="en-US" smtClean="0"/>
+              <a:t>3</a:t>
+            </a:fld>
+            <a:endParaRPr lang="en-US"/>
+          </a:p>
+        </p:txBody>
+      </p:sp>
+    </p:spTree>
+    <p:extLst>
+      <p:ext uri="{BB962C8B-B14F-4D97-AF65-F5344CB8AC3E}">
+        <p14:creationId xmlns:p14="http://schemas.microsoft.com/office/powerpoint/2010/main" val="2171865929"/>
+      </p:ext>
+    </p:extLst>
+  </p:cSld>
+  <p:clrMapOvr>
+    <a:masterClrMapping/>
+  </p:clrMapOvr>
+</p:notes>
+</file>
+
+<file path=ppt/notesSlides/notesSlide4.xml><?xml version="1.0" encoding="utf-8"?>
+<p:notes xmlns:a="http://schemas.openxmlformats.org/drawingml/2006/main" xmlns:r="http://schemas.openxmlformats.org/officeDocument/2006/relationships" xmlns:p="http://schemas.openxmlformats.org/presentationml/2006/main">
+  <p:cSld>
+    <p:spTree>
+      <p:nvGrpSpPr>
+        <p:cNvPr id="1" name=""/>
+        <p:cNvGrpSpPr/>
+        <p:nvPr/>
+      </p:nvGrpSpPr>
+      <p:grpSpPr>
+        <a:xfrm>
+          <a:off x="0" y="0"/>
+          <a:ext cx="0" cy="0"/>
+          <a:chOff x="0" y="0"/>
+          <a:chExt cx="0" cy="0"/>
+        </a:xfrm>
+      </p:grpSpPr>
+      <p:sp>
+        <p:nvSpPr>
+          <p:cNvPr id="2" name="Espace réservé de l'image des diapositives 1"/>
+          <p:cNvSpPr>
+            <a:spLocks noGrp="1" noRot="1" noChangeAspect="1"/>
+          </p:cNvSpPr>
+          <p:nvPr>
+            <p:ph type="sldImg"/>
+          </p:nvPr>
+        </p:nvSpPr>
+        <p:spPr/>
+      </p:sp>
+      <p:sp>
+        <p:nvSpPr>
+          <p:cNvPr id="3" name="Espace réservé des notes 2"/>
+          <p:cNvSpPr>
+            <a:spLocks noGrp="1"/>
+          </p:cNvSpPr>
+          <p:nvPr>
+            <p:ph type="body" idx="1"/>
+          </p:nvPr>
+        </p:nvSpPr>
+        <p:spPr/>
+        <p:txBody>
+          <a:bodyPr/>
+          <a:lstStyle/>
+          <a:p>
+            <a:pPr marL="228600" indent="-228600">
+              <a:buAutoNum type="arabicPeriod"/>
+            </a:pPr>
+            <a:endParaRPr lang="fr-FR" sz="1200" dirty="0">
+              <a:ln>
+                <a:solidFill>
+                  <a:schemeClr val="tx1"/>
+                </a:solidFill>
+              </a:ln>
+              <a:latin typeface="Google Sans"/>
+            </a:endParaRPr>
+          </a:p>
+          <a:p>
+            <a:pPr marL="228600" indent="-228600">
+              <a:buAutoNum type="arabicPeriod"/>
+            </a:pPr>
+            <a:endParaRPr lang="fr-FR" dirty="0"/>
+          </a:p>
+        </p:txBody>
+      </p:sp>
+      <p:sp>
+        <p:nvSpPr>
+          <p:cNvPr id="4" name="Espace réservé du numéro de diapositive 3"/>
+          <p:cNvSpPr>
+            <a:spLocks noGrp="1"/>
+          </p:cNvSpPr>
+          <p:nvPr>
+            <p:ph type="sldNum" sz="quarter" idx="5"/>
+          </p:nvPr>
+        </p:nvSpPr>
+        <p:spPr/>
+        <p:txBody>
+          <a:bodyPr/>
+          <a:lstStyle/>
+          <a:p>
+            <a:fld id="{B2BE2823-3393-479C-B299-87C7B63AEB2B}" type="slidenum">
+              <a:rPr lang="en-US" smtClean="0"/>
+              <a:t>4</a:t>
+            </a:fld>
+            <a:endParaRPr lang="en-US"/>
+          </a:p>
+        </p:txBody>
+      </p:sp>
+    </p:spTree>
+    <p:extLst>
+      <p:ext uri="{BB962C8B-B14F-4D97-AF65-F5344CB8AC3E}">
+        <p14:creationId xmlns:p14="http://schemas.microsoft.com/office/powerpoint/2010/main" val="1662463537"/>
+      </p:ext>
+    </p:extLst>
+  </p:cSld>
+  <p:clrMapOvr>
+    <a:masterClrMapping/>
+  </p:clrMapOvr>
+</p:notes>
+</file>
+
+<file path=ppt/notesSlides/notesSlide5.xml><?xml version="1.0" encoding="utf-8"?>
+<p:notes xmlns:a="http://schemas.openxmlformats.org/drawingml/2006/main" xmlns:r="http://schemas.openxmlformats.org/officeDocument/2006/relationships" xmlns:p="http://schemas.openxmlformats.org/presentationml/2006/main">
+  <p:cSld>
+    <p:spTree>
+      <p:nvGrpSpPr>
+        <p:cNvPr id="1" name=""/>
+        <p:cNvGrpSpPr/>
+        <p:nvPr/>
+      </p:nvGrpSpPr>
+      <p:grpSpPr>
+        <a:xfrm>
+          <a:off x="0" y="0"/>
+          <a:ext cx="0" cy="0"/>
+          <a:chOff x="0" y="0"/>
+          <a:chExt cx="0" cy="0"/>
+        </a:xfrm>
+      </p:grpSpPr>
+      <p:sp>
+        <p:nvSpPr>
+          <p:cNvPr id="2" name="Espace réservé de l'image des diapositives 1"/>
+          <p:cNvSpPr>
+            <a:spLocks noGrp="1" noRot="1" noChangeAspect="1"/>
+          </p:cNvSpPr>
+          <p:nvPr>
+            <p:ph type="sldImg"/>
+          </p:nvPr>
+        </p:nvSpPr>
+        <p:spPr/>
+      </p:sp>
+      <p:sp>
+        <p:nvSpPr>
+          <p:cNvPr id="3" name="Espace réservé des notes 2"/>
+          <p:cNvSpPr>
+            <a:spLocks noGrp="1"/>
+          </p:cNvSpPr>
+          <p:nvPr>
+            <p:ph type="body" idx="1"/>
+          </p:nvPr>
+        </p:nvSpPr>
+        <p:spPr/>
+        <p:txBody>
+          <a:bodyPr/>
+          <a:lstStyle/>
+          <a:p>
+            <a:pPr marL="228600" indent="-228600">
+              <a:buAutoNum type="arabicPeriod"/>
+            </a:pPr>
+            <a:endParaRPr lang="fr-FR" sz="1200" dirty="0">
+              <a:ln>
+                <a:solidFill>
+                  <a:schemeClr val="tx1"/>
+                </a:solidFill>
+              </a:ln>
+              <a:latin typeface="Google Sans"/>
+            </a:endParaRPr>
+          </a:p>
+          <a:p>
+            <a:pPr marL="228600" indent="-228600">
+              <a:buAutoNum type="arabicPeriod"/>
+            </a:pPr>
+            <a:endParaRPr lang="fr-FR" dirty="0"/>
+          </a:p>
+        </p:txBody>
+      </p:sp>
+      <p:sp>
+        <p:nvSpPr>
+          <p:cNvPr id="4" name="Espace réservé du numéro de diapositive 3"/>
+          <p:cNvSpPr>
+            <a:spLocks noGrp="1"/>
+          </p:cNvSpPr>
+          <p:nvPr>
+            <p:ph type="sldNum" sz="quarter" idx="5"/>
+          </p:nvPr>
+        </p:nvSpPr>
+        <p:spPr/>
+        <p:txBody>
+          <a:bodyPr/>
+          <a:lstStyle/>
+          <a:p>
+            <a:fld id="{B2BE2823-3393-479C-B299-87C7B63AEB2B}" type="slidenum">
+              <a:rPr lang="en-US" smtClean="0"/>
+              <a:t>5</a:t>
+            </a:fld>
+            <a:endParaRPr lang="en-US"/>
+          </a:p>
+        </p:txBody>
+      </p:sp>
+    </p:spTree>
+    <p:extLst>
+      <p:ext uri="{BB962C8B-B14F-4D97-AF65-F5344CB8AC3E}">
         <p14:creationId xmlns:p14="http://schemas.microsoft.com/office/powerpoint/2010/main" val="3568855820"/>
       </p:ext>
     </p:extLst>
@@ -891,7 +1295,7 @@
           <a:p>
             <a:fld id="{E1DCD729-31D5-4480-98D7-69012EF3B7DD}" type="datetimeFigureOut">
               <a:rPr lang="en-US" smtClean="0"/>
-              <a:t>12/8/2021</a:t>
+              <a:t>1/12/2022</a:t>
             </a:fld>
             <a:endParaRPr lang="en-US"/>
           </a:p>
@@ -1089,7 +1493,7 @@
           <a:p>
             <a:fld id="{E1DCD729-31D5-4480-98D7-69012EF3B7DD}" type="datetimeFigureOut">
               <a:rPr lang="en-US" smtClean="0"/>
-              <a:t>12/8/2021</a:t>
+              <a:t>1/12/2022</a:t>
             </a:fld>
             <a:endParaRPr lang="en-US"/>
           </a:p>
@@ -1297,7 +1701,7 @@
           <a:p>
             <a:fld id="{E1DCD729-31D5-4480-98D7-69012EF3B7DD}" type="datetimeFigureOut">
               <a:rPr lang="en-US" smtClean="0"/>
-              <a:t>12/8/2021</a:t>
+              <a:t>1/12/2022</a:t>
             </a:fld>
             <a:endParaRPr lang="en-US"/>
           </a:p>
@@ -1495,7 +1899,7 @@
           <a:p>
             <a:fld id="{E1DCD729-31D5-4480-98D7-69012EF3B7DD}" type="datetimeFigureOut">
               <a:rPr lang="en-US" smtClean="0"/>
-              <a:t>12/8/2021</a:t>
+              <a:t>1/12/2022</a:t>
             </a:fld>
             <a:endParaRPr lang="en-US"/>
           </a:p>
@@ -1770,7 +2174,7 @@
           <a:p>
             <a:fld id="{E1DCD729-31D5-4480-98D7-69012EF3B7DD}" type="datetimeFigureOut">
               <a:rPr lang="en-US" smtClean="0"/>
-              <a:t>12/8/2021</a:t>
+              <a:t>1/12/2022</a:t>
             </a:fld>
             <a:endParaRPr lang="en-US"/>
           </a:p>
@@ -2035,7 +2439,7 @@
           <a:p>
             <a:fld id="{E1DCD729-31D5-4480-98D7-69012EF3B7DD}" type="datetimeFigureOut">
               <a:rPr lang="en-US" smtClean="0"/>
-              <a:t>12/8/2021</a:t>
+              <a:t>1/12/2022</a:t>
             </a:fld>
             <a:endParaRPr lang="en-US"/>
           </a:p>
@@ -2447,7 +2851,7 @@
           <a:p>
             <a:fld id="{E1DCD729-31D5-4480-98D7-69012EF3B7DD}" type="datetimeFigureOut">
               <a:rPr lang="en-US" smtClean="0"/>
-              <a:t>12/8/2021</a:t>
+              <a:t>1/12/2022</a:t>
             </a:fld>
             <a:endParaRPr lang="en-US"/>
           </a:p>
@@ -2588,7 +2992,7 @@
           <a:p>
             <a:fld id="{E1DCD729-31D5-4480-98D7-69012EF3B7DD}" type="datetimeFigureOut">
               <a:rPr lang="en-US" smtClean="0"/>
-              <a:t>12/8/2021</a:t>
+              <a:t>1/12/2022</a:t>
             </a:fld>
             <a:endParaRPr lang="en-US"/>
           </a:p>
@@ -2701,7 +3105,7 @@
           <a:p>
             <a:fld id="{E1DCD729-31D5-4480-98D7-69012EF3B7DD}" type="datetimeFigureOut">
               <a:rPr lang="en-US" smtClean="0"/>
-              <a:t>12/8/2021</a:t>
+              <a:t>1/12/2022</a:t>
             </a:fld>
             <a:endParaRPr lang="en-US"/>
           </a:p>
@@ -3012,7 +3416,7 @@
           <a:p>
             <a:fld id="{E1DCD729-31D5-4480-98D7-69012EF3B7DD}" type="datetimeFigureOut">
               <a:rPr lang="en-US" smtClean="0"/>
-              <a:t>12/8/2021</a:t>
+              <a:t>1/12/2022</a:t>
             </a:fld>
             <a:endParaRPr lang="en-US"/>
           </a:p>
@@ -3300,7 +3704,7 @@
           <a:p>
             <a:fld id="{E1DCD729-31D5-4480-98D7-69012EF3B7DD}" type="datetimeFigureOut">
               <a:rPr lang="en-US" smtClean="0"/>
-              <a:t>12/8/2021</a:t>
+              <a:t>1/12/2022</a:t>
             </a:fld>
             <a:endParaRPr lang="en-US"/>
           </a:p>
@@ -3550,7 +3954,7 @@
           <a:p>
             <a:fld id="{E1DCD729-31D5-4480-98D7-69012EF3B7DD}" type="datetimeFigureOut">
               <a:rPr lang="en-US" smtClean="0"/>
-              <a:t>12/8/2021</a:t>
+              <a:t>1/12/2022</a:t>
             </a:fld>
             <a:endParaRPr lang="en-US"/>
           </a:p>
@@ -4137,21 +4541,7 @@
                 </a:solidFill>
                 <a:latin typeface="Google Sans"/>
               </a:rPr>
-              <a:t>Implémentez un modèle de </a:t>
-            </a:r>
-            <a:r>
-              <a:rPr lang="fr-FR" sz="4000" b="1" dirty="0" err="1">
-                <a:ln>
-                  <a:solidFill>
-                    <a:srgbClr val="7451EB"/>
-                  </a:solidFill>
-                </a:ln>
-                <a:solidFill>
-                  <a:srgbClr val="7451EB"/>
-                </a:solidFill>
-                <a:latin typeface="Google Sans"/>
-              </a:rPr>
-              <a:t>scoring</a:t>
+              <a:t>Ce que j’ai fait la semaine dernière   </a:t>
             </a:r>
             <a:endParaRPr lang="es-419" sz="4000" b="1" u="sng" dirty="0">
               <a:ln>
@@ -4231,10 +4621,10 @@
       </p:sp>
       <p:sp>
         <p:nvSpPr>
-          <p:cNvPr id="2" name="ZoneTexte 1">
-            <a:extLst>
-              <a:ext uri="{FF2B5EF4-FFF2-40B4-BE49-F238E27FC236}">
-                <a16:creationId xmlns:a16="http://schemas.microsoft.com/office/drawing/2014/main" id="{13494573-558E-46FB-BA10-EBFF188A01BA}"/>
+          <p:cNvPr id="14" name="ZoneTexte 13">
+            <a:extLst>
+              <a:ext uri="{FF2B5EF4-FFF2-40B4-BE49-F238E27FC236}">
+                <a16:creationId xmlns:a16="http://schemas.microsoft.com/office/drawing/2014/main" id="{A6FB74F6-5094-42E4-B672-D88F265A7965}"/>
               </a:ext>
             </a:extLst>
           </p:cNvPr>
@@ -4243,7 +4633,1455 @@
         </p:nvSpPr>
         <p:spPr>
           <a:xfrm>
-            <a:off x="3457846" y="3709358"/>
+            <a:off x="203200" y="1422400"/>
+            <a:ext cx="4718856" cy="2554545"/>
+          </a:xfrm>
+          <a:prstGeom prst="rect">
+            <a:avLst/>
+          </a:prstGeom>
+          <a:noFill/>
+        </p:spPr>
+        <p:txBody>
+          <a:bodyPr wrap="none" rtlCol="0">
+            <a:spAutoFit/>
+          </a:bodyPr>
+          <a:lstStyle/>
+          <a:p>
+            <a:pPr marL="285750" indent="-285750">
+              <a:buFont typeface="Arial" panose="020B0604020202020204" pitchFamily="34" charset="0"/>
+              <a:buChar char="•"/>
+            </a:pPr>
+            <a:r>
+              <a:rPr lang="en-US" sz="4000" dirty="0"/>
+              <a:t>Memory usage</a:t>
+            </a:r>
+          </a:p>
+          <a:p>
+            <a:pPr marL="285750" indent="-285750">
+              <a:buFont typeface="Arial" panose="020B0604020202020204" pitchFamily="34" charset="0"/>
+              <a:buChar char="•"/>
+            </a:pPr>
+            <a:r>
+              <a:rPr lang="en-US" sz="4000" dirty="0"/>
+              <a:t>Missing values</a:t>
+            </a:r>
+          </a:p>
+          <a:p>
+            <a:pPr marL="285750" indent="-285750">
+              <a:buFont typeface="Arial" panose="020B0604020202020204" pitchFamily="34" charset="0"/>
+              <a:buChar char="•"/>
+            </a:pPr>
+            <a:r>
+              <a:rPr lang="en-US" sz="4000" dirty="0"/>
+              <a:t>Smote oversampling</a:t>
+            </a:r>
+          </a:p>
+          <a:p>
+            <a:pPr marL="285750" indent="-285750">
+              <a:buFont typeface="Arial" panose="020B0604020202020204" pitchFamily="34" charset="0"/>
+              <a:buChar char="•"/>
+            </a:pPr>
+            <a:r>
+              <a:rPr lang="en-US" sz="4000" dirty="0"/>
+              <a:t>Model optimization</a:t>
+            </a:r>
+            <a:endParaRPr lang="fr-FR" sz="4000" dirty="0"/>
+          </a:p>
+        </p:txBody>
+      </p:sp>
+    </p:spTree>
+    <p:extLst>
+      <p:ext uri="{BB962C8B-B14F-4D97-AF65-F5344CB8AC3E}">
+        <p14:creationId xmlns:p14="http://schemas.microsoft.com/office/powerpoint/2010/main" val="377005064"/>
+      </p:ext>
+    </p:extLst>
+  </p:cSld>
+  <p:clrMapOvr>
+    <a:masterClrMapping/>
+  </p:clrMapOvr>
+</p:sld>
+</file>
+
+<file path=ppt/slides/slide2.xml><?xml version="1.0" encoding="utf-8"?>
+<p:sld xmlns:a="http://schemas.openxmlformats.org/drawingml/2006/main" xmlns:r="http://schemas.openxmlformats.org/officeDocument/2006/relationships" xmlns:p="http://schemas.openxmlformats.org/presentationml/2006/main">
+  <p:cSld>
+    <p:spTree>
+      <p:nvGrpSpPr>
+        <p:cNvPr id="1" name=""/>
+        <p:cNvGrpSpPr/>
+        <p:nvPr/>
+      </p:nvGrpSpPr>
+      <p:grpSpPr>
+        <a:xfrm>
+          <a:off x="0" y="0"/>
+          <a:ext cx="0" cy="0"/>
+          <a:chOff x="0" y="0"/>
+          <a:chExt cx="0" cy="0"/>
+        </a:xfrm>
+      </p:grpSpPr>
+      <p:sp>
+        <p:nvSpPr>
+          <p:cNvPr id="5" name="Rectangle 4">
+            <a:extLst>
+              <a:ext uri="{FF2B5EF4-FFF2-40B4-BE49-F238E27FC236}">
+                <a16:creationId xmlns:a16="http://schemas.microsoft.com/office/drawing/2014/main" id="{A00233D2-38CE-441F-90C9-32F91999758A}"/>
+              </a:ext>
+            </a:extLst>
+          </p:cNvPr>
+          <p:cNvSpPr/>
+          <p:nvPr/>
+        </p:nvSpPr>
+        <p:spPr>
+          <a:xfrm>
+            <a:off x="0" y="6400273"/>
+            <a:ext cx="12192000" cy="457727"/>
+          </a:xfrm>
+          <a:prstGeom prst="rect">
+            <a:avLst/>
+          </a:prstGeom>
+          <a:solidFill>
+            <a:srgbClr val="7451EB"/>
+          </a:solidFill>
+          <a:ln>
+            <a:solidFill>
+              <a:srgbClr val="7451EB"/>
+            </a:solidFill>
+          </a:ln>
+        </p:spPr>
+        <p:style>
+          <a:lnRef idx="2">
+            <a:schemeClr val="accent1">
+              <a:shade val="50000"/>
+            </a:schemeClr>
+          </a:lnRef>
+          <a:fillRef idx="1">
+            <a:schemeClr val="accent1"/>
+          </a:fillRef>
+          <a:effectRef idx="0">
+            <a:schemeClr val="accent1"/>
+          </a:effectRef>
+          <a:fontRef idx="minor">
+            <a:schemeClr val="lt1"/>
+          </a:fontRef>
+        </p:style>
+        <p:txBody>
+          <a:bodyPr rtlCol="0" anchor="ctr"/>
+          <a:lstStyle/>
+          <a:p>
+            <a:pPr algn="ctr"/>
+            <a:endParaRPr lang="en-US" dirty="0"/>
+          </a:p>
+        </p:txBody>
+      </p:sp>
+      <p:sp>
+        <p:nvSpPr>
+          <p:cNvPr id="15" name="TextBox 3">
+            <a:extLst>
+              <a:ext uri="{FF2B5EF4-FFF2-40B4-BE49-F238E27FC236}">
+                <a16:creationId xmlns:a16="http://schemas.microsoft.com/office/drawing/2014/main" id="{47FC2DCC-BDE9-485D-AF79-4177B5479110}"/>
+              </a:ext>
+            </a:extLst>
+          </p:cNvPr>
+          <p:cNvSpPr txBox="1"/>
+          <p:nvPr/>
+        </p:nvSpPr>
+        <p:spPr>
+          <a:xfrm>
+            <a:off x="10543592" y="6475247"/>
+            <a:ext cx="1648408" cy="307777"/>
+          </a:xfrm>
+          <a:prstGeom prst="rect">
+            <a:avLst/>
+          </a:prstGeom>
+          <a:noFill/>
+        </p:spPr>
+        <p:txBody>
+          <a:bodyPr wrap="square" rtlCol="0">
+            <a:spAutoFit/>
+          </a:bodyPr>
+          <a:lstStyle/>
+          <a:p>
+            <a:pPr algn="r"/>
+            <a:r>
+              <a:rPr lang="es-CO" sz="1400" b="1" i="1" dirty="0" err="1">
+                <a:ln>
+                  <a:solidFill>
+                    <a:schemeClr val="bg1"/>
+                  </a:solidFill>
+                </a:ln>
+                <a:solidFill>
+                  <a:schemeClr val="bg1"/>
+                </a:solidFill>
+                <a:latin typeface="+mj-lt"/>
+              </a:rPr>
+              <a:t>OpenClassrooms</a:t>
+            </a:r>
+            <a:endParaRPr lang="en-US" sz="1400" b="1" i="1" dirty="0">
+              <a:ln>
+                <a:solidFill>
+                  <a:schemeClr val="bg1"/>
+                </a:solidFill>
+              </a:ln>
+              <a:solidFill>
+                <a:schemeClr val="bg1"/>
+              </a:solidFill>
+              <a:latin typeface="+mj-lt"/>
+            </a:endParaRPr>
+          </a:p>
+        </p:txBody>
+      </p:sp>
+      <p:sp>
+        <p:nvSpPr>
+          <p:cNvPr id="10" name="Titre 1">
+            <a:extLst>
+              <a:ext uri="{FF2B5EF4-FFF2-40B4-BE49-F238E27FC236}">
+                <a16:creationId xmlns:a16="http://schemas.microsoft.com/office/drawing/2014/main" id="{224E5C7D-3656-459F-9C01-61200508167F}"/>
+              </a:ext>
+            </a:extLst>
+          </p:cNvPr>
+          <p:cNvSpPr txBox="1">
+            <a:spLocks/>
+          </p:cNvSpPr>
+          <p:nvPr/>
+        </p:nvSpPr>
+        <p:spPr>
+          <a:xfrm>
+            <a:off x="279917" y="432794"/>
+            <a:ext cx="9452805" cy="820048"/>
+          </a:xfrm>
+          <a:prstGeom prst="rect">
+            <a:avLst/>
+          </a:prstGeom>
+        </p:spPr>
+        <p:txBody>
+          <a:bodyPr vert="horz" lIns="91440" tIns="45720" rIns="91440" bIns="45720" rtlCol="0" anchor="ctr">
+            <a:normAutofit/>
+          </a:bodyPr>
+          <a:lstStyle>
+            <a:lvl1pPr algn="l" defTabSz="914400" rtl="0" eaLnBrk="1" latinLnBrk="0" hangingPunct="1">
+              <a:lnSpc>
+                <a:spcPct val="90000"/>
+              </a:lnSpc>
+              <a:spcBef>
+                <a:spcPct val="0"/>
+              </a:spcBef>
+              <a:buNone/>
+              <a:defRPr sz="4400" kern="1200">
+                <a:solidFill>
+                  <a:schemeClr val="tx1"/>
+                </a:solidFill>
+                <a:latin typeface="+mj-lt"/>
+                <a:ea typeface="+mj-ea"/>
+                <a:cs typeface="+mj-cs"/>
+              </a:defRPr>
+            </a:lvl1pPr>
+          </a:lstStyle>
+          <a:p>
+            <a:r>
+              <a:rPr lang="fr-FR" sz="4000" b="1" dirty="0">
+                <a:ln>
+                  <a:solidFill>
+                    <a:srgbClr val="7451EB"/>
+                  </a:solidFill>
+                </a:ln>
+                <a:solidFill>
+                  <a:srgbClr val="7451EB"/>
+                </a:solidFill>
+                <a:latin typeface="Google Sans"/>
+              </a:rPr>
+              <a:t>Ce que j’ai fait ce semaine</a:t>
+            </a:r>
+            <a:endParaRPr lang="es-419" sz="4000" b="1" u="sng" dirty="0">
+              <a:ln>
+                <a:solidFill>
+                  <a:srgbClr val="7451EB"/>
+                </a:solidFill>
+              </a:ln>
+              <a:solidFill>
+                <a:srgbClr val="7451EB"/>
+              </a:solidFill>
+            </a:endParaRPr>
+          </a:p>
+        </p:txBody>
+      </p:sp>
+      <p:sp>
+        <p:nvSpPr>
+          <p:cNvPr id="11" name="Rectángulo 4">
+            <a:extLst>
+              <a:ext uri="{FF2B5EF4-FFF2-40B4-BE49-F238E27FC236}">
+                <a16:creationId xmlns:a16="http://schemas.microsoft.com/office/drawing/2014/main" id="{B84F0FDC-2C73-4C87-9CC7-F9F129B3A699}"/>
+              </a:ext>
+            </a:extLst>
+          </p:cNvPr>
+          <p:cNvSpPr/>
+          <p:nvPr/>
+        </p:nvSpPr>
+        <p:spPr>
+          <a:xfrm>
+            <a:off x="377906" y="378794"/>
+            <a:ext cx="366721" cy="54000"/>
+          </a:xfrm>
+          <a:prstGeom prst="rect">
+            <a:avLst/>
+          </a:prstGeom>
+          <a:solidFill>
+            <a:srgbClr val="7451EB"/>
+          </a:solidFill>
+          <a:ln>
+            <a:solidFill>
+              <a:srgbClr val="7451EB"/>
+            </a:solidFill>
+          </a:ln>
+        </p:spPr>
+        <p:style>
+          <a:lnRef idx="2">
+            <a:schemeClr val="accent1">
+              <a:shade val="50000"/>
+            </a:schemeClr>
+          </a:lnRef>
+          <a:fillRef idx="1">
+            <a:schemeClr val="accent1"/>
+          </a:fillRef>
+          <a:effectRef idx="0">
+            <a:schemeClr val="accent1"/>
+          </a:effectRef>
+          <a:fontRef idx="minor">
+            <a:schemeClr val="lt1"/>
+          </a:fontRef>
+        </p:style>
+        <p:txBody>
+          <a:bodyPr rtlCol="0" anchor="ctr"/>
+          <a:lstStyle/>
+          <a:p>
+            <a:pPr algn="ctr"/>
+            <a:endParaRPr lang="es-AR">
+              <a:ln>
+                <a:solidFill>
+                  <a:srgbClr val="7451EB"/>
+                </a:solidFill>
+              </a:ln>
+              <a:solidFill>
+                <a:srgbClr val="7451EB"/>
+              </a:solidFill>
+            </a:endParaRPr>
+          </a:p>
+        </p:txBody>
+      </p:sp>
+      <p:sp>
+        <p:nvSpPr>
+          <p:cNvPr id="14" name="ZoneTexte 13">
+            <a:extLst>
+              <a:ext uri="{FF2B5EF4-FFF2-40B4-BE49-F238E27FC236}">
+                <a16:creationId xmlns:a16="http://schemas.microsoft.com/office/drawing/2014/main" id="{A6FB74F6-5094-42E4-B672-D88F265A7965}"/>
+              </a:ext>
+            </a:extLst>
+          </p:cNvPr>
+          <p:cNvSpPr txBox="1"/>
+          <p:nvPr/>
+        </p:nvSpPr>
+        <p:spPr>
+          <a:xfrm>
+            <a:off x="203200" y="1422400"/>
+            <a:ext cx="3390672" cy="1938992"/>
+          </a:xfrm>
+          <a:prstGeom prst="rect">
+            <a:avLst/>
+          </a:prstGeom>
+          <a:noFill/>
+        </p:spPr>
+        <p:txBody>
+          <a:bodyPr wrap="none" rtlCol="0">
+            <a:spAutoFit/>
+          </a:bodyPr>
+          <a:lstStyle/>
+          <a:p>
+            <a:pPr marL="285750" indent="-285750">
+              <a:buFont typeface="Arial" panose="020B0604020202020204" pitchFamily="34" charset="0"/>
+              <a:buChar char="•"/>
+            </a:pPr>
+            <a:r>
+              <a:rPr lang="en-US" sz="4000" dirty="0"/>
+              <a:t>Cost function</a:t>
+            </a:r>
+          </a:p>
+          <a:p>
+            <a:pPr marL="285750" indent="-285750">
+              <a:buFont typeface="Arial" panose="020B0604020202020204" pitchFamily="34" charset="0"/>
+              <a:buChar char="•"/>
+            </a:pPr>
+            <a:r>
+              <a:rPr lang="en-US" sz="4000" dirty="0" err="1"/>
+              <a:t>Hyperopt</a:t>
+            </a:r>
+            <a:endParaRPr lang="en-US" sz="4000" dirty="0"/>
+          </a:p>
+          <a:p>
+            <a:pPr marL="285750" indent="-285750">
+              <a:buFont typeface="Arial" panose="020B0604020202020204" pitchFamily="34" charset="0"/>
+              <a:buChar char="•"/>
+            </a:pPr>
+            <a:r>
+              <a:rPr lang="en-US" sz="4000" dirty="0"/>
+              <a:t>Export model </a:t>
+            </a:r>
+          </a:p>
+        </p:txBody>
+      </p:sp>
+    </p:spTree>
+    <p:extLst>
+      <p:ext uri="{BB962C8B-B14F-4D97-AF65-F5344CB8AC3E}">
+        <p14:creationId xmlns:p14="http://schemas.microsoft.com/office/powerpoint/2010/main" val="1115227118"/>
+      </p:ext>
+    </p:extLst>
+  </p:cSld>
+  <p:clrMapOvr>
+    <a:masterClrMapping/>
+  </p:clrMapOvr>
+</p:sld>
+</file>
+
+<file path=ppt/slides/slide3.xml><?xml version="1.0" encoding="utf-8"?>
+<p:sld xmlns:a="http://schemas.openxmlformats.org/drawingml/2006/main" xmlns:r="http://schemas.openxmlformats.org/officeDocument/2006/relationships" xmlns:p="http://schemas.openxmlformats.org/presentationml/2006/main">
+  <p:cSld>
+    <p:spTree>
+      <p:nvGrpSpPr>
+        <p:cNvPr id="1" name=""/>
+        <p:cNvGrpSpPr/>
+        <p:nvPr/>
+      </p:nvGrpSpPr>
+      <p:grpSpPr>
+        <a:xfrm>
+          <a:off x="0" y="0"/>
+          <a:ext cx="0" cy="0"/>
+          <a:chOff x="0" y="0"/>
+          <a:chExt cx="0" cy="0"/>
+        </a:xfrm>
+      </p:grpSpPr>
+      <p:sp>
+        <p:nvSpPr>
+          <p:cNvPr id="5" name="Rectangle 4">
+            <a:extLst>
+              <a:ext uri="{FF2B5EF4-FFF2-40B4-BE49-F238E27FC236}">
+                <a16:creationId xmlns:a16="http://schemas.microsoft.com/office/drawing/2014/main" id="{A00233D2-38CE-441F-90C9-32F91999758A}"/>
+              </a:ext>
+            </a:extLst>
+          </p:cNvPr>
+          <p:cNvSpPr/>
+          <p:nvPr/>
+        </p:nvSpPr>
+        <p:spPr>
+          <a:xfrm>
+            <a:off x="0" y="6400273"/>
+            <a:ext cx="12192000" cy="457727"/>
+          </a:xfrm>
+          <a:prstGeom prst="rect">
+            <a:avLst/>
+          </a:prstGeom>
+          <a:solidFill>
+            <a:srgbClr val="7451EB"/>
+          </a:solidFill>
+          <a:ln>
+            <a:solidFill>
+              <a:srgbClr val="7451EB"/>
+            </a:solidFill>
+          </a:ln>
+        </p:spPr>
+        <p:style>
+          <a:lnRef idx="2">
+            <a:schemeClr val="accent1">
+              <a:shade val="50000"/>
+            </a:schemeClr>
+          </a:lnRef>
+          <a:fillRef idx="1">
+            <a:schemeClr val="accent1"/>
+          </a:fillRef>
+          <a:effectRef idx="0">
+            <a:schemeClr val="accent1"/>
+          </a:effectRef>
+          <a:fontRef idx="minor">
+            <a:schemeClr val="lt1"/>
+          </a:fontRef>
+        </p:style>
+        <p:txBody>
+          <a:bodyPr rtlCol="0" anchor="ctr"/>
+          <a:lstStyle/>
+          <a:p>
+            <a:pPr algn="ctr"/>
+            <a:endParaRPr lang="en-US" dirty="0"/>
+          </a:p>
+        </p:txBody>
+      </p:sp>
+      <p:sp>
+        <p:nvSpPr>
+          <p:cNvPr id="15" name="TextBox 3">
+            <a:extLst>
+              <a:ext uri="{FF2B5EF4-FFF2-40B4-BE49-F238E27FC236}">
+                <a16:creationId xmlns:a16="http://schemas.microsoft.com/office/drawing/2014/main" id="{47FC2DCC-BDE9-485D-AF79-4177B5479110}"/>
+              </a:ext>
+            </a:extLst>
+          </p:cNvPr>
+          <p:cNvSpPr txBox="1"/>
+          <p:nvPr/>
+        </p:nvSpPr>
+        <p:spPr>
+          <a:xfrm>
+            <a:off x="10543592" y="6475247"/>
+            <a:ext cx="1648408" cy="307777"/>
+          </a:xfrm>
+          <a:prstGeom prst="rect">
+            <a:avLst/>
+          </a:prstGeom>
+          <a:noFill/>
+        </p:spPr>
+        <p:txBody>
+          <a:bodyPr wrap="square" rtlCol="0">
+            <a:spAutoFit/>
+          </a:bodyPr>
+          <a:lstStyle/>
+          <a:p>
+            <a:pPr algn="r"/>
+            <a:r>
+              <a:rPr lang="es-CO" sz="1400" b="1" i="1" dirty="0" err="1">
+                <a:ln>
+                  <a:solidFill>
+                    <a:schemeClr val="bg1"/>
+                  </a:solidFill>
+                </a:ln>
+                <a:solidFill>
+                  <a:schemeClr val="bg1"/>
+                </a:solidFill>
+                <a:latin typeface="+mj-lt"/>
+              </a:rPr>
+              <a:t>OpenClassrooms</a:t>
+            </a:r>
+            <a:endParaRPr lang="en-US" sz="1400" b="1" i="1" dirty="0">
+              <a:ln>
+                <a:solidFill>
+                  <a:schemeClr val="bg1"/>
+                </a:solidFill>
+              </a:ln>
+              <a:solidFill>
+                <a:schemeClr val="bg1"/>
+              </a:solidFill>
+              <a:latin typeface="+mj-lt"/>
+            </a:endParaRPr>
+          </a:p>
+        </p:txBody>
+      </p:sp>
+      <p:sp>
+        <p:nvSpPr>
+          <p:cNvPr id="10" name="Titre 1">
+            <a:extLst>
+              <a:ext uri="{FF2B5EF4-FFF2-40B4-BE49-F238E27FC236}">
+                <a16:creationId xmlns:a16="http://schemas.microsoft.com/office/drawing/2014/main" id="{224E5C7D-3656-459F-9C01-61200508167F}"/>
+              </a:ext>
+            </a:extLst>
+          </p:cNvPr>
+          <p:cNvSpPr txBox="1">
+            <a:spLocks/>
+          </p:cNvSpPr>
+          <p:nvPr/>
+        </p:nvSpPr>
+        <p:spPr>
+          <a:xfrm>
+            <a:off x="279917" y="432794"/>
+            <a:ext cx="9452805" cy="820048"/>
+          </a:xfrm>
+          <a:prstGeom prst="rect">
+            <a:avLst/>
+          </a:prstGeom>
+        </p:spPr>
+        <p:txBody>
+          <a:bodyPr vert="horz" lIns="91440" tIns="45720" rIns="91440" bIns="45720" rtlCol="0" anchor="ctr">
+            <a:normAutofit/>
+          </a:bodyPr>
+          <a:lstStyle>
+            <a:lvl1pPr algn="l" defTabSz="914400" rtl="0" eaLnBrk="1" latinLnBrk="0" hangingPunct="1">
+              <a:lnSpc>
+                <a:spcPct val="90000"/>
+              </a:lnSpc>
+              <a:spcBef>
+                <a:spcPct val="0"/>
+              </a:spcBef>
+              <a:buNone/>
+              <a:defRPr sz="4400" kern="1200">
+                <a:solidFill>
+                  <a:schemeClr val="tx1"/>
+                </a:solidFill>
+                <a:latin typeface="+mj-lt"/>
+                <a:ea typeface="+mj-ea"/>
+                <a:cs typeface="+mj-cs"/>
+              </a:defRPr>
+            </a:lvl1pPr>
+          </a:lstStyle>
+          <a:p>
+            <a:r>
+              <a:rPr lang="fr-FR" sz="4000" b="1" dirty="0" err="1">
+                <a:ln>
+                  <a:solidFill>
+                    <a:srgbClr val="7451EB"/>
+                  </a:solidFill>
+                </a:ln>
+                <a:solidFill>
+                  <a:srgbClr val="7451EB"/>
+                </a:solidFill>
+                <a:latin typeface="Google Sans"/>
+              </a:rPr>
+              <a:t>Cost</a:t>
+            </a:r>
+            <a:r>
+              <a:rPr lang="fr-FR" sz="4000" b="1" dirty="0">
+                <a:ln>
+                  <a:solidFill>
+                    <a:srgbClr val="7451EB"/>
+                  </a:solidFill>
+                </a:ln>
+                <a:solidFill>
+                  <a:srgbClr val="7451EB"/>
+                </a:solidFill>
+                <a:latin typeface="Google Sans"/>
+              </a:rPr>
+              <a:t> </a:t>
+            </a:r>
+            <a:r>
+              <a:rPr lang="fr-FR" sz="4000" b="1" dirty="0" err="1">
+                <a:ln>
+                  <a:solidFill>
+                    <a:srgbClr val="7451EB"/>
+                  </a:solidFill>
+                </a:ln>
+                <a:solidFill>
+                  <a:srgbClr val="7451EB"/>
+                </a:solidFill>
+                <a:latin typeface="Google Sans"/>
+              </a:rPr>
+              <a:t>function</a:t>
+            </a:r>
+            <a:endParaRPr lang="es-419" sz="4000" b="1" u="sng" dirty="0">
+              <a:ln>
+                <a:solidFill>
+                  <a:srgbClr val="7451EB"/>
+                </a:solidFill>
+              </a:ln>
+              <a:solidFill>
+                <a:srgbClr val="7451EB"/>
+              </a:solidFill>
+            </a:endParaRPr>
+          </a:p>
+        </p:txBody>
+      </p:sp>
+      <p:sp>
+        <p:nvSpPr>
+          <p:cNvPr id="11" name="Rectángulo 4">
+            <a:extLst>
+              <a:ext uri="{FF2B5EF4-FFF2-40B4-BE49-F238E27FC236}">
+                <a16:creationId xmlns:a16="http://schemas.microsoft.com/office/drawing/2014/main" id="{B84F0FDC-2C73-4C87-9CC7-F9F129B3A699}"/>
+              </a:ext>
+            </a:extLst>
+          </p:cNvPr>
+          <p:cNvSpPr/>
+          <p:nvPr/>
+        </p:nvSpPr>
+        <p:spPr>
+          <a:xfrm>
+            <a:off x="377906" y="378794"/>
+            <a:ext cx="366721" cy="54000"/>
+          </a:xfrm>
+          <a:prstGeom prst="rect">
+            <a:avLst/>
+          </a:prstGeom>
+          <a:solidFill>
+            <a:srgbClr val="7451EB"/>
+          </a:solidFill>
+          <a:ln>
+            <a:solidFill>
+              <a:srgbClr val="7451EB"/>
+            </a:solidFill>
+          </a:ln>
+        </p:spPr>
+        <p:style>
+          <a:lnRef idx="2">
+            <a:schemeClr val="accent1">
+              <a:shade val="50000"/>
+            </a:schemeClr>
+          </a:lnRef>
+          <a:fillRef idx="1">
+            <a:schemeClr val="accent1"/>
+          </a:fillRef>
+          <a:effectRef idx="0">
+            <a:schemeClr val="accent1"/>
+          </a:effectRef>
+          <a:fontRef idx="minor">
+            <a:schemeClr val="lt1"/>
+          </a:fontRef>
+        </p:style>
+        <p:txBody>
+          <a:bodyPr rtlCol="0" anchor="ctr"/>
+          <a:lstStyle/>
+          <a:p>
+            <a:pPr algn="ctr"/>
+            <a:endParaRPr lang="es-AR">
+              <a:ln>
+                <a:solidFill>
+                  <a:srgbClr val="7451EB"/>
+                </a:solidFill>
+              </a:ln>
+              <a:solidFill>
+                <a:srgbClr val="7451EB"/>
+              </a:solidFill>
+            </a:endParaRPr>
+          </a:p>
+        </p:txBody>
+      </p:sp>
+      <p:pic>
+        <p:nvPicPr>
+          <p:cNvPr id="3" name="Image 2">
+            <a:extLst>
+              <a:ext uri="{FF2B5EF4-FFF2-40B4-BE49-F238E27FC236}">
+                <a16:creationId xmlns:a16="http://schemas.microsoft.com/office/drawing/2014/main" id="{5A02EF1C-E275-48B2-BECA-E9BCF9D9192D}"/>
+              </a:ext>
+            </a:extLst>
+          </p:cNvPr>
+          <p:cNvPicPr>
+            <a:picLocks noChangeAspect="1"/>
+          </p:cNvPicPr>
+          <p:nvPr/>
+        </p:nvPicPr>
+        <p:blipFill>
+          <a:blip r:embed="rId3"/>
+          <a:stretch>
+            <a:fillRect/>
+          </a:stretch>
+        </p:blipFill>
+        <p:spPr>
+          <a:xfrm>
+            <a:off x="561265" y="1169083"/>
+            <a:ext cx="7843825" cy="5597000"/>
+          </a:xfrm>
+          <a:prstGeom prst="rect">
+            <a:avLst/>
+          </a:prstGeom>
+        </p:spPr>
+      </p:pic>
+    </p:spTree>
+    <p:extLst>
+      <p:ext uri="{BB962C8B-B14F-4D97-AF65-F5344CB8AC3E}">
+        <p14:creationId xmlns:p14="http://schemas.microsoft.com/office/powerpoint/2010/main" val="3245038994"/>
+      </p:ext>
+    </p:extLst>
+  </p:cSld>
+  <p:clrMapOvr>
+    <a:masterClrMapping/>
+  </p:clrMapOvr>
+</p:sld>
+</file>
+
+<file path=ppt/slides/slide4.xml><?xml version="1.0" encoding="utf-8"?>
+<p:sld xmlns:a="http://schemas.openxmlformats.org/drawingml/2006/main" xmlns:r="http://schemas.openxmlformats.org/officeDocument/2006/relationships" xmlns:p="http://schemas.openxmlformats.org/presentationml/2006/main">
+  <p:cSld>
+    <p:spTree>
+      <p:nvGrpSpPr>
+        <p:cNvPr id="1" name=""/>
+        <p:cNvGrpSpPr/>
+        <p:nvPr/>
+      </p:nvGrpSpPr>
+      <p:grpSpPr>
+        <a:xfrm>
+          <a:off x="0" y="0"/>
+          <a:ext cx="0" cy="0"/>
+          <a:chOff x="0" y="0"/>
+          <a:chExt cx="0" cy="0"/>
+        </a:xfrm>
+      </p:grpSpPr>
+      <p:sp>
+        <p:nvSpPr>
+          <p:cNvPr id="5" name="Rectangle 4">
+            <a:extLst>
+              <a:ext uri="{FF2B5EF4-FFF2-40B4-BE49-F238E27FC236}">
+                <a16:creationId xmlns:a16="http://schemas.microsoft.com/office/drawing/2014/main" id="{A00233D2-38CE-441F-90C9-32F91999758A}"/>
+              </a:ext>
+            </a:extLst>
+          </p:cNvPr>
+          <p:cNvSpPr/>
+          <p:nvPr/>
+        </p:nvSpPr>
+        <p:spPr>
+          <a:xfrm>
+            <a:off x="0" y="6400273"/>
+            <a:ext cx="12192000" cy="457727"/>
+          </a:xfrm>
+          <a:prstGeom prst="rect">
+            <a:avLst/>
+          </a:prstGeom>
+          <a:solidFill>
+            <a:srgbClr val="7451EB"/>
+          </a:solidFill>
+          <a:ln>
+            <a:solidFill>
+              <a:srgbClr val="7451EB"/>
+            </a:solidFill>
+          </a:ln>
+        </p:spPr>
+        <p:style>
+          <a:lnRef idx="2">
+            <a:schemeClr val="accent1">
+              <a:shade val="50000"/>
+            </a:schemeClr>
+          </a:lnRef>
+          <a:fillRef idx="1">
+            <a:schemeClr val="accent1"/>
+          </a:fillRef>
+          <a:effectRef idx="0">
+            <a:schemeClr val="accent1"/>
+          </a:effectRef>
+          <a:fontRef idx="minor">
+            <a:schemeClr val="lt1"/>
+          </a:fontRef>
+        </p:style>
+        <p:txBody>
+          <a:bodyPr rtlCol="0" anchor="ctr"/>
+          <a:lstStyle/>
+          <a:p>
+            <a:pPr algn="ctr"/>
+            <a:endParaRPr lang="en-US" dirty="0"/>
+          </a:p>
+        </p:txBody>
+      </p:sp>
+      <p:sp>
+        <p:nvSpPr>
+          <p:cNvPr id="15" name="TextBox 3">
+            <a:extLst>
+              <a:ext uri="{FF2B5EF4-FFF2-40B4-BE49-F238E27FC236}">
+                <a16:creationId xmlns:a16="http://schemas.microsoft.com/office/drawing/2014/main" id="{47FC2DCC-BDE9-485D-AF79-4177B5479110}"/>
+              </a:ext>
+            </a:extLst>
+          </p:cNvPr>
+          <p:cNvSpPr txBox="1"/>
+          <p:nvPr/>
+        </p:nvSpPr>
+        <p:spPr>
+          <a:xfrm>
+            <a:off x="10543592" y="6475247"/>
+            <a:ext cx="1648408" cy="307777"/>
+          </a:xfrm>
+          <a:prstGeom prst="rect">
+            <a:avLst/>
+          </a:prstGeom>
+          <a:noFill/>
+        </p:spPr>
+        <p:txBody>
+          <a:bodyPr wrap="square" rtlCol="0">
+            <a:spAutoFit/>
+          </a:bodyPr>
+          <a:lstStyle/>
+          <a:p>
+            <a:pPr algn="r"/>
+            <a:r>
+              <a:rPr lang="es-CO" sz="1400" b="1" i="1" dirty="0" err="1">
+                <a:ln>
+                  <a:solidFill>
+                    <a:schemeClr val="bg1"/>
+                  </a:solidFill>
+                </a:ln>
+                <a:solidFill>
+                  <a:schemeClr val="bg1"/>
+                </a:solidFill>
+                <a:latin typeface="+mj-lt"/>
+              </a:rPr>
+              <a:t>OpenClassrooms</a:t>
+            </a:r>
+            <a:endParaRPr lang="en-US" sz="1400" b="1" i="1" dirty="0">
+              <a:ln>
+                <a:solidFill>
+                  <a:schemeClr val="bg1"/>
+                </a:solidFill>
+              </a:ln>
+              <a:solidFill>
+                <a:schemeClr val="bg1"/>
+              </a:solidFill>
+              <a:latin typeface="+mj-lt"/>
+            </a:endParaRPr>
+          </a:p>
+        </p:txBody>
+      </p:sp>
+      <p:sp>
+        <p:nvSpPr>
+          <p:cNvPr id="10" name="Titre 1">
+            <a:extLst>
+              <a:ext uri="{FF2B5EF4-FFF2-40B4-BE49-F238E27FC236}">
+                <a16:creationId xmlns:a16="http://schemas.microsoft.com/office/drawing/2014/main" id="{224E5C7D-3656-459F-9C01-61200508167F}"/>
+              </a:ext>
+            </a:extLst>
+          </p:cNvPr>
+          <p:cNvSpPr txBox="1">
+            <a:spLocks/>
+          </p:cNvSpPr>
+          <p:nvPr/>
+        </p:nvSpPr>
+        <p:spPr>
+          <a:xfrm>
+            <a:off x="279917" y="432794"/>
+            <a:ext cx="9452805" cy="820048"/>
+          </a:xfrm>
+          <a:prstGeom prst="rect">
+            <a:avLst/>
+          </a:prstGeom>
+        </p:spPr>
+        <p:txBody>
+          <a:bodyPr vert="horz" lIns="91440" tIns="45720" rIns="91440" bIns="45720" rtlCol="0" anchor="ctr">
+            <a:normAutofit/>
+          </a:bodyPr>
+          <a:lstStyle>
+            <a:lvl1pPr algn="l" defTabSz="914400" rtl="0" eaLnBrk="1" latinLnBrk="0" hangingPunct="1">
+              <a:lnSpc>
+                <a:spcPct val="90000"/>
+              </a:lnSpc>
+              <a:spcBef>
+                <a:spcPct val="0"/>
+              </a:spcBef>
+              <a:buNone/>
+              <a:defRPr sz="4400" kern="1200">
+                <a:solidFill>
+                  <a:schemeClr val="tx1"/>
+                </a:solidFill>
+                <a:latin typeface="+mj-lt"/>
+                <a:ea typeface="+mj-ea"/>
+                <a:cs typeface="+mj-cs"/>
+              </a:defRPr>
+            </a:lvl1pPr>
+          </a:lstStyle>
+          <a:p>
+            <a:r>
+              <a:rPr lang="fr-FR" sz="4000" b="1" dirty="0">
+                <a:ln>
+                  <a:solidFill>
+                    <a:srgbClr val="7451EB"/>
+                  </a:solidFill>
+                </a:ln>
+                <a:solidFill>
+                  <a:srgbClr val="7451EB"/>
+                </a:solidFill>
+                <a:latin typeface="Google Sans"/>
+              </a:rPr>
+              <a:t>Best </a:t>
+            </a:r>
+            <a:r>
+              <a:rPr lang="fr-FR" sz="4000" b="1" dirty="0" err="1">
+                <a:ln>
+                  <a:solidFill>
+                    <a:srgbClr val="7451EB"/>
+                  </a:solidFill>
+                </a:ln>
+                <a:solidFill>
+                  <a:srgbClr val="7451EB"/>
+                </a:solidFill>
+                <a:latin typeface="Google Sans"/>
+              </a:rPr>
+              <a:t>parameters</a:t>
+            </a:r>
+            <a:endParaRPr lang="es-419" sz="4000" b="1" u="sng" dirty="0">
+              <a:ln>
+                <a:solidFill>
+                  <a:srgbClr val="7451EB"/>
+                </a:solidFill>
+              </a:ln>
+              <a:solidFill>
+                <a:srgbClr val="7451EB"/>
+              </a:solidFill>
+            </a:endParaRPr>
+          </a:p>
+        </p:txBody>
+      </p:sp>
+      <p:sp>
+        <p:nvSpPr>
+          <p:cNvPr id="11" name="Rectángulo 4">
+            <a:extLst>
+              <a:ext uri="{FF2B5EF4-FFF2-40B4-BE49-F238E27FC236}">
+                <a16:creationId xmlns:a16="http://schemas.microsoft.com/office/drawing/2014/main" id="{B84F0FDC-2C73-4C87-9CC7-F9F129B3A699}"/>
+              </a:ext>
+            </a:extLst>
+          </p:cNvPr>
+          <p:cNvSpPr/>
+          <p:nvPr/>
+        </p:nvSpPr>
+        <p:spPr>
+          <a:xfrm>
+            <a:off x="377906" y="378794"/>
+            <a:ext cx="366721" cy="54000"/>
+          </a:xfrm>
+          <a:prstGeom prst="rect">
+            <a:avLst/>
+          </a:prstGeom>
+          <a:solidFill>
+            <a:srgbClr val="7451EB"/>
+          </a:solidFill>
+          <a:ln>
+            <a:solidFill>
+              <a:srgbClr val="7451EB"/>
+            </a:solidFill>
+          </a:ln>
+        </p:spPr>
+        <p:style>
+          <a:lnRef idx="2">
+            <a:schemeClr val="accent1">
+              <a:shade val="50000"/>
+            </a:schemeClr>
+          </a:lnRef>
+          <a:fillRef idx="1">
+            <a:schemeClr val="accent1"/>
+          </a:fillRef>
+          <a:effectRef idx="0">
+            <a:schemeClr val="accent1"/>
+          </a:effectRef>
+          <a:fontRef idx="minor">
+            <a:schemeClr val="lt1"/>
+          </a:fontRef>
+        </p:style>
+        <p:txBody>
+          <a:bodyPr rtlCol="0" anchor="ctr"/>
+          <a:lstStyle/>
+          <a:p>
+            <a:pPr algn="ctr"/>
+            <a:endParaRPr lang="es-AR">
+              <a:ln>
+                <a:solidFill>
+                  <a:srgbClr val="7451EB"/>
+                </a:solidFill>
+              </a:ln>
+              <a:solidFill>
+                <a:srgbClr val="7451EB"/>
+              </a:solidFill>
+            </a:endParaRPr>
+          </a:p>
+        </p:txBody>
+      </p:sp>
+      <p:pic>
+        <p:nvPicPr>
+          <p:cNvPr id="4" name="Image 3">
+            <a:extLst>
+              <a:ext uri="{FF2B5EF4-FFF2-40B4-BE49-F238E27FC236}">
+                <a16:creationId xmlns:a16="http://schemas.microsoft.com/office/drawing/2014/main" id="{DB64AD54-28BB-4B10-88FA-A612C707DB95}"/>
+              </a:ext>
+            </a:extLst>
+          </p:cNvPr>
+          <p:cNvPicPr>
+            <a:picLocks noChangeAspect="1"/>
+          </p:cNvPicPr>
+          <p:nvPr/>
+        </p:nvPicPr>
+        <p:blipFill>
+          <a:blip r:embed="rId3"/>
+          <a:stretch>
+            <a:fillRect/>
+          </a:stretch>
+        </p:blipFill>
+        <p:spPr>
+          <a:xfrm>
+            <a:off x="238125" y="1252842"/>
+            <a:ext cx="11715750" cy="971550"/>
+          </a:xfrm>
+          <a:prstGeom prst="rect">
+            <a:avLst/>
+          </a:prstGeom>
+        </p:spPr>
+      </p:pic>
+      <p:pic>
+        <p:nvPicPr>
+          <p:cNvPr id="7" name="Image 6">
+            <a:extLst>
+              <a:ext uri="{FF2B5EF4-FFF2-40B4-BE49-F238E27FC236}">
+                <a16:creationId xmlns:a16="http://schemas.microsoft.com/office/drawing/2014/main" id="{D8330A68-8A19-4F37-9DD3-6F251FEC22FC}"/>
+              </a:ext>
+            </a:extLst>
+          </p:cNvPr>
+          <p:cNvPicPr>
+            <a:picLocks noChangeAspect="1"/>
+          </p:cNvPicPr>
+          <p:nvPr/>
+        </p:nvPicPr>
+        <p:blipFill>
+          <a:blip r:embed="rId4"/>
+          <a:stretch>
+            <a:fillRect/>
+          </a:stretch>
+        </p:blipFill>
+        <p:spPr>
+          <a:xfrm>
+            <a:off x="144774" y="2456275"/>
+            <a:ext cx="4613182" cy="3516400"/>
+          </a:xfrm>
+          <a:prstGeom prst="rect">
+            <a:avLst/>
+          </a:prstGeom>
+        </p:spPr>
+      </p:pic>
+      <p:pic>
+        <p:nvPicPr>
+          <p:cNvPr id="9" name="Image 8">
+            <a:extLst>
+              <a:ext uri="{FF2B5EF4-FFF2-40B4-BE49-F238E27FC236}">
+                <a16:creationId xmlns:a16="http://schemas.microsoft.com/office/drawing/2014/main" id="{19EBB699-E4B7-4DA6-A234-257D0E451FEE}"/>
+              </a:ext>
+            </a:extLst>
+          </p:cNvPr>
+          <p:cNvPicPr>
+            <a:picLocks noChangeAspect="1"/>
+          </p:cNvPicPr>
+          <p:nvPr/>
+        </p:nvPicPr>
+        <p:blipFill>
+          <a:blip r:embed="rId5"/>
+          <a:stretch>
+            <a:fillRect/>
+          </a:stretch>
+        </p:blipFill>
+        <p:spPr>
+          <a:xfrm>
+            <a:off x="4997083" y="2610504"/>
+            <a:ext cx="3611659" cy="3575970"/>
+          </a:xfrm>
+          <a:prstGeom prst="rect">
+            <a:avLst/>
+          </a:prstGeom>
+        </p:spPr>
+      </p:pic>
+      <p:pic>
+        <p:nvPicPr>
+          <p:cNvPr id="13" name="Image 12">
+            <a:extLst>
+              <a:ext uri="{FF2B5EF4-FFF2-40B4-BE49-F238E27FC236}">
+                <a16:creationId xmlns:a16="http://schemas.microsoft.com/office/drawing/2014/main" id="{742BF8C1-6CDE-4105-B3B0-CB820F7C1E8B}"/>
+              </a:ext>
+            </a:extLst>
+          </p:cNvPr>
+          <p:cNvPicPr>
+            <a:picLocks noChangeAspect="1"/>
+          </p:cNvPicPr>
+          <p:nvPr/>
+        </p:nvPicPr>
+        <p:blipFill>
+          <a:blip r:embed="rId6"/>
+          <a:stretch>
+            <a:fillRect/>
+          </a:stretch>
+        </p:blipFill>
+        <p:spPr>
+          <a:xfrm>
+            <a:off x="8738899" y="2610504"/>
+            <a:ext cx="3943392" cy="3005685"/>
+          </a:xfrm>
+          <a:prstGeom prst="rect">
+            <a:avLst/>
+          </a:prstGeom>
+        </p:spPr>
+      </p:pic>
+    </p:spTree>
+    <p:extLst>
+      <p:ext uri="{BB962C8B-B14F-4D97-AF65-F5344CB8AC3E}">
+        <p14:creationId xmlns:p14="http://schemas.microsoft.com/office/powerpoint/2010/main" val="1517411255"/>
+      </p:ext>
+    </p:extLst>
+  </p:cSld>
+  <p:clrMapOvr>
+    <a:masterClrMapping/>
+  </p:clrMapOvr>
+</p:sld>
+</file>
+
+<file path=ppt/slides/slide5.xml><?xml version="1.0" encoding="utf-8"?>
+<p:sld xmlns:a="http://schemas.openxmlformats.org/drawingml/2006/main" xmlns:r="http://schemas.openxmlformats.org/officeDocument/2006/relationships" xmlns:p="http://schemas.openxmlformats.org/presentationml/2006/main">
+  <p:cSld>
+    <p:spTree>
+      <p:nvGrpSpPr>
+        <p:cNvPr id="1" name=""/>
+        <p:cNvGrpSpPr/>
+        <p:nvPr/>
+      </p:nvGrpSpPr>
+      <p:grpSpPr>
+        <a:xfrm>
+          <a:off x="0" y="0"/>
+          <a:ext cx="0" cy="0"/>
+          <a:chOff x="0" y="0"/>
+          <a:chExt cx="0" cy="0"/>
+        </a:xfrm>
+      </p:grpSpPr>
+      <p:sp>
+        <p:nvSpPr>
+          <p:cNvPr id="5" name="Rectangle 4">
+            <a:extLst>
+              <a:ext uri="{FF2B5EF4-FFF2-40B4-BE49-F238E27FC236}">
+                <a16:creationId xmlns:a16="http://schemas.microsoft.com/office/drawing/2014/main" id="{A00233D2-38CE-441F-90C9-32F91999758A}"/>
+              </a:ext>
+            </a:extLst>
+          </p:cNvPr>
+          <p:cNvSpPr/>
+          <p:nvPr/>
+        </p:nvSpPr>
+        <p:spPr>
+          <a:xfrm>
+            <a:off x="0" y="6400273"/>
+            <a:ext cx="12192000" cy="457727"/>
+          </a:xfrm>
+          <a:prstGeom prst="rect">
+            <a:avLst/>
+          </a:prstGeom>
+          <a:solidFill>
+            <a:srgbClr val="7451EB"/>
+          </a:solidFill>
+          <a:ln>
+            <a:solidFill>
+              <a:srgbClr val="7451EB"/>
+            </a:solidFill>
+          </a:ln>
+        </p:spPr>
+        <p:style>
+          <a:lnRef idx="2">
+            <a:schemeClr val="accent1">
+              <a:shade val="50000"/>
+            </a:schemeClr>
+          </a:lnRef>
+          <a:fillRef idx="1">
+            <a:schemeClr val="accent1"/>
+          </a:fillRef>
+          <a:effectRef idx="0">
+            <a:schemeClr val="accent1"/>
+          </a:effectRef>
+          <a:fontRef idx="minor">
+            <a:schemeClr val="lt1"/>
+          </a:fontRef>
+        </p:style>
+        <p:txBody>
+          <a:bodyPr rtlCol="0" anchor="ctr"/>
+          <a:lstStyle/>
+          <a:p>
+            <a:pPr algn="ctr"/>
+            <a:endParaRPr lang="en-US" dirty="0"/>
+          </a:p>
+        </p:txBody>
+      </p:sp>
+      <p:sp>
+        <p:nvSpPr>
+          <p:cNvPr id="15" name="TextBox 3">
+            <a:extLst>
+              <a:ext uri="{FF2B5EF4-FFF2-40B4-BE49-F238E27FC236}">
+                <a16:creationId xmlns:a16="http://schemas.microsoft.com/office/drawing/2014/main" id="{47FC2DCC-BDE9-485D-AF79-4177B5479110}"/>
+              </a:ext>
+            </a:extLst>
+          </p:cNvPr>
+          <p:cNvSpPr txBox="1"/>
+          <p:nvPr/>
+        </p:nvSpPr>
+        <p:spPr>
+          <a:xfrm>
+            <a:off x="10543592" y="6475247"/>
+            <a:ext cx="1648408" cy="307777"/>
+          </a:xfrm>
+          <a:prstGeom prst="rect">
+            <a:avLst/>
+          </a:prstGeom>
+          <a:noFill/>
+        </p:spPr>
+        <p:txBody>
+          <a:bodyPr wrap="square" rtlCol="0">
+            <a:spAutoFit/>
+          </a:bodyPr>
+          <a:lstStyle/>
+          <a:p>
+            <a:pPr algn="r"/>
+            <a:r>
+              <a:rPr lang="es-CO" sz="1400" b="1" i="1" dirty="0" err="1">
+                <a:ln>
+                  <a:solidFill>
+                    <a:schemeClr val="bg1"/>
+                  </a:solidFill>
+                </a:ln>
+                <a:solidFill>
+                  <a:schemeClr val="bg1"/>
+                </a:solidFill>
+                <a:latin typeface="+mj-lt"/>
+              </a:rPr>
+              <a:t>OpenClassrooms</a:t>
+            </a:r>
+            <a:endParaRPr lang="en-US" sz="1400" b="1" i="1" dirty="0">
+              <a:ln>
+                <a:solidFill>
+                  <a:schemeClr val="bg1"/>
+                </a:solidFill>
+              </a:ln>
+              <a:solidFill>
+                <a:schemeClr val="bg1"/>
+              </a:solidFill>
+              <a:latin typeface="+mj-lt"/>
+            </a:endParaRPr>
+          </a:p>
+        </p:txBody>
+      </p:sp>
+      <p:sp>
+        <p:nvSpPr>
+          <p:cNvPr id="10" name="Titre 1">
+            <a:extLst>
+              <a:ext uri="{FF2B5EF4-FFF2-40B4-BE49-F238E27FC236}">
+                <a16:creationId xmlns:a16="http://schemas.microsoft.com/office/drawing/2014/main" id="{224E5C7D-3656-459F-9C01-61200508167F}"/>
+              </a:ext>
+            </a:extLst>
+          </p:cNvPr>
+          <p:cNvSpPr txBox="1">
+            <a:spLocks/>
+          </p:cNvSpPr>
+          <p:nvPr/>
+        </p:nvSpPr>
+        <p:spPr>
+          <a:xfrm>
+            <a:off x="279917" y="432794"/>
+            <a:ext cx="9452805" cy="820048"/>
+          </a:xfrm>
+          <a:prstGeom prst="rect">
+            <a:avLst/>
+          </a:prstGeom>
+        </p:spPr>
+        <p:txBody>
+          <a:bodyPr vert="horz" lIns="91440" tIns="45720" rIns="91440" bIns="45720" rtlCol="0" anchor="ctr">
+            <a:normAutofit/>
+          </a:bodyPr>
+          <a:lstStyle>
+            <a:lvl1pPr algn="l" defTabSz="914400" rtl="0" eaLnBrk="1" latinLnBrk="0" hangingPunct="1">
+              <a:lnSpc>
+                <a:spcPct val="90000"/>
+              </a:lnSpc>
+              <a:spcBef>
+                <a:spcPct val="0"/>
+              </a:spcBef>
+              <a:buNone/>
+              <a:defRPr sz="4400" kern="1200">
+                <a:solidFill>
+                  <a:schemeClr val="tx1"/>
+                </a:solidFill>
+                <a:latin typeface="+mj-lt"/>
+                <a:ea typeface="+mj-ea"/>
+                <a:cs typeface="+mj-cs"/>
+              </a:defRPr>
+            </a:lvl1pPr>
+          </a:lstStyle>
+          <a:p>
+            <a:r>
+              <a:rPr lang="fr-FR" sz="4000" b="1" dirty="0">
+                <a:ln>
+                  <a:solidFill>
+                    <a:srgbClr val="7451EB"/>
+                  </a:solidFill>
+                </a:ln>
+                <a:solidFill>
+                  <a:srgbClr val="7451EB"/>
+                </a:solidFill>
+                <a:latin typeface="Google Sans"/>
+              </a:rPr>
+              <a:t>Implémentez un modèle de </a:t>
+            </a:r>
+            <a:r>
+              <a:rPr lang="fr-FR" sz="4000" b="1" dirty="0" err="1">
+                <a:ln>
+                  <a:solidFill>
+                    <a:srgbClr val="7451EB"/>
+                  </a:solidFill>
+                </a:ln>
+                <a:solidFill>
+                  <a:srgbClr val="7451EB"/>
+                </a:solidFill>
+                <a:latin typeface="Google Sans"/>
+              </a:rPr>
+              <a:t>scoring</a:t>
+            </a:r>
+            <a:endParaRPr lang="es-419" sz="4000" b="1" u="sng" dirty="0">
+              <a:ln>
+                <a:solidFill>
+                  <a:srgbClr val="7451EB"/>
+                </a:solidFill>
+              </a:ln>
+              <a:solidFill>
+                <a:srgbClr val="7451EB"/>
+              </a:solidFill>
+            </a:endParaRPr>
+          </a:p>
+        </p:txBody>
+      </p:sp>
+      <p:sp>
+        <p:nvSpPr>
+          <p:cNvPr id="11" name="Rectángulo 4">
+            <a:extLst>
+              <a:ext uri="{FF2B5EF4-FFF2-40B4-BE49-F238E27FC236}">
+                <a16:creationId xmlns:a16="http://schemas.microsoft.com/office/drawing/2014/main" id="{B84F0FDC-2C73-4C87-9CC7-F9F129B3A699}"/>
+              </a:ext>
+            </a:extLst>
+          </p:cNvPr>
+          <p:cNvSpPr/>
+          <p:nvPr/>
+        </p:nvSpPr>
+        <p:spPr>
+          <a:xfrm>
+            <a:off x="377906" y="378794"/>
+            <a:ext cx="366721" cy="54000"/>
+          </a:xfrm>
+          <a:prstGeom prst="rect">
+            <a:avLst/>
+          </a:prstGeom>
+          <a:solidFill>
+            <a:srgbClr val="7451EB"/>
+          </a:solidFill>
+          <a:ln>
+            <a:solidFill>
+              <a:srgbClr val="7451EB"/>
+            </a:solidFill>
+          </a:ln>
+        </p:spPr>
+        <p:style>
+          <a:lnRef idx="2">
+            <a:schemeClr val="accent1">
+              <a:shade val="50000"/>
+            </a:schemeClr>
+          </a:lnRef>
+          <a:fillRef idx="1">
+            <a:schemeClr val="accent1"/>
+          </a:fillRef>
+          <a:effectRef idx="0">
+            <a:schemeClr val="accent1"/>
+          </a:effectRef>
+          <a:fontRef idx="minor">
+            <a:schemeClr val="lt1"/>
+          </a:fontRef>
+        </p:style>
+        <p:txBody>
+          <a:bodyPr rtlCol="0" anchor="ctr"/>
+          <a:lstStyle/>
+          <a:p>
+            <a:pPr algn="ctr"/>
+            <a:endParaRPr lang="es-AR">
+              <a:ln>
+                <a:solidFill>
+                  <a:srgbClr val="7451EB"/>
+                </a:solidFill>
+              </a:ln>
+              <a:solidFill>
+                <a:srgbClr val="7451EB"/>
+              </a:solidFill>
+            </a:endParaRPr>
+          </a:p>
+        </p:txBody>
+      </p:sp>
+      <p:sp>
+        <p:nvSpPr>
+          <p:cNvPr id="2" name="ZoneTexte 1">
+            <a:extLst>
+              <a:ext uri="{FF2B5EF4-FFF2-40B4-BE49-F238E27FC236}">
+                <a16:creationId xmlns:a16="http://schemas.microsoft.com/office/drawing/2014/main" id="{13494573-558E-46FB-BA10-EBFF188A01BA}"/>
+              </a:ext>
+            </a:extLst>
+          </p:cNvPr>
+          <p:cNvSpPr txBox="1"/>
+          <p:nvPr/>
+        </p:nvSpPr>
+        <p:spPr>
+          <a:xfrm>
+            <a:off x="3457846" y="3180634"/>
             <a:ext cx="1814599" cy="523220"/>
           </a:xfrm>
           <a:prstGeom prst="rect">
@@ -4287,8 +6125,8 @@
         </p:nvSpPr>
         <p:spPr>
           <a:xfrm>
-            <a:off x="3322681" y="2518914"/>
-            <a:ext cx="1901418" cy="523220"/>
+            <a:off x="2619859" y="2518914"/>
+            <a:ext cx="3490571" cy="923330"/>
           </a:xfrm>
           <a:prstGeom prst="rect">
             <a:avLst/>
@@ -4302,7 +6140,7 @@
           <a:lstStyle/>
           <a:p>
             <a:r>
-              <a:rPr lang="fr-FR" sz="2800" b="1" dirty="0">
+              <a:rPr lang="fr-FR" sz="5400" b="1" dirty="0">
                 <a:solidFill>
                   <a:srgbClr val="00B0F0"/>
                 </a:solidFill>
@@ -4326,7 +6164,7 @@
         </p:nvSpPr>
         <p:spPr>
           <a:xfrm>
-            <a:off x="6919557" y="3709358"/>
+            <a:off x="6919557" y="3180634"/>
             <a:ext cx="1587550" cy="523220"/>
           </a:xfrm>
           <a:prstGeom prst="rect">
@@ -4370,8 +6208,8 @@
         </p:nvSpPr>
         <p:spPr>
           <a:xfrm>
-            <a:off x="6633227" y="2518914"/>
-            <a:ext cx="2354234" cy="523220"/>
+            <a:off x="6560324" y="2488592"/>
+            <a:ext cx="2306016" cy="923330"/>
           </a:xfrm>
           <a:prstGeom prst="rect">
             <a:avLst/>
@@ -4385,13 +6223,18 @@
           <a:lstStyle/>
           <a:p>
             <a:r>
-              <a:rPr lang="fr-FR" sz="2800" b="1" dirty="0">
+              <a:rPr lang="fr-FR" sz="5400" b="1" dirty="0" err="1">
                 <a:solidFill>
                   <a:srgbClr val="00B0F0"/>
                 </a:solidFill>
               </a:rPr>
-              <a:t>DJANGO / DRF</a:t>
-            </a:r>
+              <a:t>FastAPI</a:t>
+            </a:r>
+            <a:endParaRPr lang="fr-FR" sz="5400" b="1" dirty="0">
+              <a:solidFill>
+                <a:srgbClr val="00B0F0"/>
+              </a:solidFill>
+            </a:endParaRPr>
           </a:p>
         </p:txBody>
       </p:sp>
